--- a/presentations/4-30-20.pptx
+++ b/presentations/4-30-20.pptx
@@ -130,7 +130,7 @@
 <file path=ppt/revisionInfo.xml><?xml version="1.0" encoding="utf-8"?>
 <p1510:revInfo xmlns:a="http://schemas.openxmlformats.org/drawingml/2006/main" xmlns:r="http://schemas.openxmlformats.org/officeDocument/2006/relationships" xmlns:p1510="http://schemas.microsoft.com/office/powerpoint/2015/10/main">
   <p1510:revLst>
-    <p1510:client id="{9F0AD7AC-D10F-7A45-AF9C-F9C1895428A6}" v="581" dt="2020-05-01T00:48:45.088"/>
+    <p1510:client id="{9F0AD7AC-D10F-7A45-AF9C-F9C1895428A6}" v="584" dt="2020-05-05T14:54:22.506"/>
   </p1510:revLst>
 </p1510:revInfo>
 </file>
@@ -140,7 +140,7 @@
   <pc:docChgLst>
     <pc:chgData name="Akash Levy" userId="0f662538-7453-45f3-952a-fc9f1a7c515e" providerId="ADAL" clId="{9F0AD7AC-D10F-7A45-AF9C-F9C1895428A6}"/>
     <pc:docChg chg="undo custSel mod addSld delSld modSld sldOrd">
-      <pc:chgData name="Akash Levy" userId="0f662538-7453-45f3-952a-fc9f1a7c515e" providerId="ADAL" clId="{9F0AD7AC-D10F-7A45-AF9C-F9C1895428A6}" dt="2020-05-01T00:48:45.088" v="1167"/>
+      <pc:chgData name="Akash Levy" userId="0f662538-7453-45f3-952a-fc9f1a7c515e" providerId="ADAL" clId="{9F0AD7AC-D10F-7A45-AF9C-F9C1895428A6}" dt="2020-05-05T14:54:21.599" v="1174" actId="20577"/>
       <pc:docMkLst>
         <pc:docMk/>
       </pc:docMkLst>
@@ -300,7 +300,7 @@
         </pc:spChg>
       </pc:sldChg>
       <pc:sldChg chg="addSp delSp modSp">
-        <pc:chgData name="Akash Levy" userId="0f662538-7453-45f3-952a-fc9f1a7c515e" providerId="ADAL" clId="{9F0AD7AC-D10F-7A45-AF9C-F9C1895428A6}" dt="2020-05-01T00:33:19.767" v="859" actId="20577"/>
+        <pc:chgData name="Akash Levy" userId="0f662538-7453-45f3-952a-fc9f1a7c515e" providerId="ADAL" clId="{9F0AD7AC-D10F-7A45-AF9C-F9C1895428A6}" dt="2020-05-05T13:41:48.489" v="1169" actId="20577"/>
         <pc:sldMkLst>
           <pc:docMk/>
           <pc:sldMk cId="4274581363" sldId="263"/>
@@ -354,7 +354,7 @@
           </ac:spMkLst>
         </pc:spChg>
         <pc:graphicFrameChg chg="mod modGraphic">
-          <ac:chgData name="Akash Levy" userId="0f662538-7453-45f3-952a-fc9f1a7c515e" providerId="ADAL" clId="{9F0AD7AC-D10F-7A45-AF9C-F9C1895428A6}" dt="2020-04-30T23:52:15.200" v="476" actId="20577"/>
+          <ac:chgData name="Akash Levy" userId="0f662538-7453-45f3-952a-fc9f1a7c515e" providerId="ADAL" clId="{9F0AD7AC-D10F-7A45-AF9C-F9C1895428A6}" dt="2020-05-05T13:41:48.489" v="1169" actId="20577"/>
           <ac:graphicFrameMkLst>
             <pc:docMk/>
             <pc:sldMk cId="4274581363" sldId="263"/>
@@ -371,13 +371,13 @@
         </pc:cxnChg>
       </pc:sldChg>
       <pc:sldChg chg="addSp delSp modSp">
-        <pc:chgData name="Akash Levy" userId="0f662538-7453-45f3-952a-fc9f1a7c515e" providerId="ADAL" clId="{9F0AD7AC-D10F-7A45-AF9C-F9C1895428A6}" dt="2020-05-01T00:20:06.626" v="698"/>
+        <pc:chgData name="Akash Levy" userId="0f662538-7453-45f3-952a-fc9f1a7c515e" providerId="ADAL" clId="{9F0AD7AC-D10F-7A45-AF9C-F9C1895428A6}" dt="2020-05-05T14:54:21.599" v="1174" actId="20577"/>
         <pc:sldMkLst>
           <pc:docMk/>
           <pc:sldMk cId="3537713657" sldId="264"/>
         </pc:sldMkLst>
         <pc:spChg chg="mod">
-          <ac:chgData name="Akash Levy" userId="0f662538-7453-45f3-952a-fc9f1a7c515e" providerId="ADAL" clId="{9F0AD7AC-D10F-7A45-AF9C-F9C1895428A6}" dt="2020-04-30T23:55:25.494" v="494" actId="20577"/>
+          <ac:chgData name="Akash Levy" userId="0f662538-7453-45f3-952a-fc9f1a7c515e" providerId="ADAL" clId="{9F0AD7AC-D10F-7A45-AF9C-F9C1895428A6}" dt="2020-05-05T14:54:21.599" v="1174" actId="20577"/>
           <ac:spMkLst>
             <pc:docMk/>
             <pc:sldMk cId="3537713657" sldId="264"/>
@@ -4356,7 +4356,11 @@
           </a:pPr>
           <a:r>
             <a:rPr lang="en-US"/>
-            <a:t>Optimal SET pulse</a:t>
+            <a:t>Optimal </a:t>
+          </a:r>
+          <a:r>
+            <a:rPr lang="en-US" dirty="0"/>
+            <a:t>SET pulse</a:t>
           </a:r>
         </a:p>
       </dgm:t>
@@ -6423,7 +6427,11 @@
           </a:pPr>
           <a:r>
             <a:rPr lang="en-US" sz="1900" kern="1200"/>
-            <a:t>Optimal SET pulse</a:t>
+            <a:t>Optimal </a:t>
+          </a:r>
+          <a:r>
+            <a:rPr lang="en-US" sz="1900" kern="1200" dirty="0"/>
+            <a:t>SET pulse</a:t>
           </a:r>
         </a:p>
       </dsp:txBody>
@@ -11578,7 +11586,7 @@
           <a:p>
             <a:fld id="{509E9C1D-34C4-AE45-95D5-C284DB5F53E5}" type="datetimeFigureOut">
               <a:rPr lang="en-US" smtClean="0"/>
-              <a:t>4/30/20</a:t>
+              <a:t>5/5/20</a:t>
             </a:fld>
             <a:endParaRPr lang="en-US"/>
           </a:p>
@@ -11910,6 +11918,90 @@
           <a:p>
             <a:fld id="{90227A82-3610-FE4C-8F9A-E6CF8EAE7920}" type="slidenum">
               <a:rPr lang="en-US" smtClean="0"/>
+              <a:t>3</a:t>
+            </a:fld>
+            <a:endParaRPr lang="en-US"/>
+          </a:p>
+        </p:txBody>
+      </p:sp>
+    </p:spTree>
+    <p:extLst>
+      <p:ext uri="{BB962C8B-B14F-4D97-AF65-F5344CB8AC3E}">
+        <p14:creationId xmlns:p14="http://schemas.microsoft.com/office/powerpoint/2010/main" val="1046914779"/>
+      </p:ext>
+    </p:extLst>
+  </p:cSld>
+  <p:clrMapOvr>
+    <a:masterClrMapping/>
+  </p:clrMapOvr>
+</p:notes>
+</file>
+
+<file path=ppt/notesSlides/notesSlide2.xml><?xml version="1.0" encoding="utf-8"?>
+<p:notes xmlns:a="http://schemas.openxmlformats.org/drawingml/2006/main" xmlns:r="http://schemas.openxmlformats.org/officeDocument/2006/relationships" xmlns:p="http://schemas.openxmlformats.org/presentationml/2006/main">
+  <p:cSld>
+    <p:spTree>
+      <p:nvGrpSpPr>
+        <p:cNvPr id="1" name=""/>
+        <p:cNvGrpSpPr/>
+        <p:nvPr/>
+      </p:nvGrpSpPr>
+      <p:grpSpPr>
+        <a:xfrm>
+          <a:off x="0" y="0"/>
+          <a:ext cx="0" cy="0"/>
+          <a:chOff x="0" y="0"/>
+          <a:chExt cx="0" cy="0"/>
+        </a:xfrm>
+      </p:grpSpPr>
+      <p:sp>
+        <p:nvSpPr>
+          <p:cNvPr id="2" name="Slide Image Placeholder 1"/>
+          <p:cNvSpPr>
+            <a:spLocks noGrp="1" noRot="1" noChangeAspect="1"/>
+          </p:cNvSpPr>
+          <p:nvPr>
+            <p:ph type="sldImg"/>
+          </p:nvPr>
+        </p:nvSpPr>
+        <p:spPr/>
+      </p:sp>
+      <p:sp>
+        <p:nvSpPr>
+          <p:cNvPr id="3" name="Notes Placeholder 2"/>
+          <p:cNvSpPr>
+            <a:spLocks noGrp="1"/>
+          </p:cNvSpPr>
+          <p:nvPr>
+            <p:ph type="body" idx="1"/>
+          </p:nvPr>
+        </p:nvSpPr>
+        <p:spPr/>
+        <p:txBody>
+          <a:bodyPr/>
+          <a:lstStyle/>
+          <a:p>
+            <a:endParaRPr lang="en-US" dirty="0"/>
+          </a:p>
+        </p:txBody>
+      </p:sp>
+      <p:sp>
+        <p:nvSpPr>
+          <p:cNvPr id="4" name="Slide Number Placeholder 3"/>
+          <p:cNvSpPr>
+            <a:spLocks noGrp="1"/>
+          </p:cNvSpPr>
+          <p:nvPr>
+            <p:ph type="sldNum" sz="quarter" idx="5"/>
+          </p:nvPr>
+        </p:nvSpPr>
+        <p:spPr/>
+        <p:txBody>
+          <a:bodyPr/>
+          <a:lstStyle/>
+          <a:p>
+            <a:fld id="{90227A82-3610-FE4C-8F9A-E6CF8EAE7920}" type="slidenum">
+              <a:rPr lang="en-US" smtClean="0"/>
               <a:t>6</a:t>
             </a:fld>
             <a:endParaRPr lang="en-US"/>
@@ -11929,7 +12021,7 @@
 </p:notes>
 </file>
 
-<file path=ppt/notesSlides/notesSlide2.xml><?xml version="1.0" encoding="utf-8"?>
+<file path=ppt/notesSlides/notesSlide3.xml><?xml version="1.0" encoding="utf-8"?>
 <p:notes xmlns:a="http://schemas.openxmlformats.org/drawingml/2006/main" xmlns:r="http://schemas.openxmlformats.org/officeDocument/2006/relationships" xmlns:p="http://schemas.openxmlformats.org/presentationml/2006/main">
   <p:cSld>
     <p:spTree>
@@ -12220,7 +12312,7 @@
           <a:p>
             <a:fld id="{4BBC14C8-0300-234C-B902-608B5AF860AC}" type="datetimeFigureOut">
               <a:rPr lang="en-US" smtClean="0"/>
-              <a:t>4/30/20</a:t>
+              <a:t>5/5/20</a:t>
             </a:fld>
             <a:endParaRPr lang="en-US"/>
           </a:p>
@@ -12418,7 +12510,7 @@
           <a:p>
             <a:fld id="{4BBC14C8-0300-234C-B902-608B5AF860AC}" type="datetimeFigureOut">
               <a:rPr lang="en-US" smtClean="0"/>
-              <a:t>4/30/20</a:t>
+              <a:t>5/5/20</a:t>
             </a:fld>
             <a:endParaRPr lang="en-US"/>
           </a:p>
@@ -12626,7 +12718,7 @@
           <a:p>
             <a:fld id="{4BBC14C8-0300-234C-B902-608B5AF860AC}" type="datetimeFigureOut">
               <a:rPr lang="en-US" smtClean="0"/>
-              <a:t>4/30/20</a:t>
+              <a:t>5/5/20</a:t>
             </a:fld>
             <a:endParaRPr lang="en-US"/>
           </a:p>
@@ -12824,7 +12916,7 @@
           <a:p>
             <a:fld id="{4BBC14C8-0300-234C-B902-608B5AF860AC}" type="datetimeFigureOut">
               <a:rPr lang="en-US" smtClean="0"/>
-              <a:t>4/30/20</a:t>
+              <a:t>5/5/20</a:t>
             </a:fld>
             <a:endParaRPr lang="en-US"/>
           </a:p>
@@ -13099,7 +13191,7 @@
           <a:p>
             <a:fld id="{4BBC14C8-0300-234C-B902-608B5AF860AC}" type="datetimeFigureOut">
               <a:rPr lang="en-US" smtClean="0"/>
-              <a:t>4/30/20</a:t>
+              <a:t>5/5/20</a:t>
             </a:fld>
             <a:endParaRPr lang="en-US"/>
           </a:p>
@@ -13364,7 +13456,7 @@
           <a:p>
             <a:fld id="{4BBC14C8-0300-234C-B902-608B5AF860AC}" type="datetimeFigureOut">
               <a:rPr lang="en-US" smtClean="0"/>
-              <a:t>4/30/20</a:t>
+              <a:t>5/5/20</a:t>
             </a:fld>
             <a:endParaRPr lang="en-US"/>
           </a:p>
@@ -13776,7 +13868,7 @@
           <a:p>
             <a:fld id="{4BBC14C8-0300-234C-B902-608B5AF860AC}" type="datetimeFigureOut">
               <a:rPr lang="en-US" smtClean="0"/>
-              <a:t>4/30/20</a:t>
+              <a:t>5/5/20</a:t>
             </a:fld>
             <a:endParaRPr lang="en-US"/>
           </a:p>
@@ -13917,7 +14009,7 @@
           <a:p>
             <a:fld id="{4BBC14C8-0300-234C-B902-608B5AF860AC}" type="datetimeFigureOut">
               <a:rPr lang="en-US" smtClean="0"/>
-              <a:t>4/30/20</a:t>
+              <a:t>5/5/20</a:t>
             </a:fld>
             <a:endParaRPr lang="en-US"/>
           </a:p>
@@ -14030,7 +14122,7 @@
           <a:p>
             <a:fld id="{4BBC14C8-0300-234C-B902-608B5AF860AC}" type="datetimeFigureOut">
               <a:rPr lang="en-US" smtClean="0"/>
-              <a:t>4/30/20</a:t>
+              <a:t>5/5/20</a:t>
             </a:fld>
             <a:endParaRPr lang="en-US"/>
           </a:p>
@@ -14341,7 +14433,7 @@
           <a:p>
             <a:fld id="{4BBC14C8-0300-234C-B902-608B5AF860AC}" type="datetimeFigureOut">
               <a:rPr lang="en-US" smtClean="0"/>
-              <a:t>4/30/20</a:t>
+              <a:t>5/5/20</a:t>
             </a:fld>
             <a:endParaRPr lang="en-US"/>
           </a:p>
@@ -14629,7 +14721,7 @@
           <a:p>
             <a:fld id="{4BBC14C8-0300-234C-B902-608B5AF860AC}" type="datetimeFigureOut">
               <a:rPr lang="en-US" smtClean="0"/>
-              <a:t>4/30/20</a:t>
+              <a:t>5/5/20</a:t>
             </a:fld>
             <a:endParaRPr lang="en-US"/>
           </a:p>
@@ -14870,7 +14962,7 @@
           <a:p>
             <a:fld id="{4BBC14C8-0300-234C-B902-608B5AF860AC}" type="datetimeFigureOut">
               <a:rPr lang="en-US" smtClean="0"/>
-              <a:t>4/30/20</a:t>
+              <a:t>5/5/20</a:t>
             </a:fld>
             <a:endParaRPr lang="en-US"/>
           </a:p>
@@ -17854,7 +17946,7 @@
           </p:nvPr>
         </p:nvPicPr>
         <p:blipFill>
-          <a:blip r:embed="rId2"/>
+          <a:blip r:embed="rId3"/>
           <a:srcRect/>
           <a:stretch/>
         </p:blipFill>
